--- a/PowerPoint/casestudymodule1.pptx
+++ b/PowerPoint/casestudymodule1.pptx
@@ -34819,51 +34819,264 @@
           </a:bodyPr>
           <a:lstStyle/>
           <a:p>
-            <a:pPr marL="0" lvl="0" indent="0" algn="ctr" rtl="0">
-              <a:spcBef>
-                <a:spcPts val="0"/>
-              </a:spcBef>
-              <a:spcAft>
-                <a:spcPts val="0"/>
-              </a:spcAft>
-              <a:buNone/>
-            </a:pPr>
+            <a:pPr lvl="0"/>
+            <a:endParaRPr sz="3200" dirty="0">
+              <a:solidFill>
+                <a:schemeClr val="tx1"/>
+              </a:solidFill>
+            </a:endParaRPr>
+          </a:p>
+        </p:txBody>
+      </p:sp>
+      <p:pic>
+        <p:nvPicPr>
+          <p:cNvPr id="3" name="Picture 2">
+            <a:extLst>
+              <a:ext uri="{FF2B5EF4-FFF2-40B4-BE49-F238E27FC236}">
+                <a16:creationId xmlns:a16="http://schemas.microsoft.com/office/drawing/2014/main" id="{1AC4B7C5-0BBE-09C4-92CC-3F0747C40DA7}"/>
+              </a:ext>
+            </a:extLst>
+          </p:cNvPr>
+          <p:cNvPicPr>
+            <a:picLocks noChangeAspect="1"/>
+          </p:cNvPicPr>
+          <p:nvPr/>
+        </p:nvPicPr>
+        <p:blipFill>
+          <a:blip r:embed="rId3"/>
+          <a:stretch>
+            <a:fillRect/>
+          </a:stretch>
+        </p:blipFill>
+        <p:spPr>
+          <a:xfrm>
+            <a:off x="0" y="0"/>
+            <a:ext cx="9144000" cy="5143500"/>
+          </a:xfrm>
+          <a:prstGeom prst="rect">
+            <a:avLst/>
+          </a:prstGeom>
+        </p:spPr>
+      </p:pic>
+      <p:sp>
+        <p:nvSpPr>
+          <p:cNvPr id="4" name="TextBox 3">
+            <a:extLst>
+              <a:ext uri="{FF2B5EF4-FFF2-40B4-BE49-F238E27FC236}">
+                <a16:creationId xmlns:a16="http://schemas.microsoft.com/office/drawing/2014/main" id="{4760A4E2-D3D1-B33A-CFE7-F9AE8A33C7A4}"/>
+              </a:ext>
+            </a:extLst>
+          </p:cNvPr>
+          <p:cNvSpPr txBox="1"/>
+          <p:nvPr/>
+        </p:nvSpPr>
+        <p:spPr>
+          <a:xfrm>
+            <a:off x="292308" y="97436"/>
+            <a:ext cx="8319541" cy="2315980"/>
+          </a:xfrm>
+          <a:prstGeom prst="rect">
+            <a:avLst/>
+          </a:prstGeom>
+          <a:noFill/>
+        </p:spPr>
+        <p:txBody>
+          <a:bodyPr wrap="square" rtlCol="0">
+            <a:spAutoFit/>
+          </a:bodyPr>
+          <a:lstStyle/>
+          <a:p>
+            <a:endParaRPr lang="en-US" dirty="0"/>
+          </a:p>
+        </p:txBody>
+      </p:sp>
+      <p:sp>
+        <p:nvSpPr>
+          <p:cNvPr id="5" name="TextBox 4">
+            <a:extLst>
+              <a:ext uri="{FF2B5EF4-FFF2-40B4-BE49-F238E27FC236}">
+                <a16:creationId xmlns:a16="http://schemas.microsoft.com/office/drawing/2014/main" id="{6568EEF1-9FF1-5B4E-A060-DCF100164B56}"/>
+              </a:ext>
+            </a:extLst>
+          </p:cNvPr>
+          <p:cNvSpPr txBox="1"/>
+          <p:nvPr/>
+        </p:nvSpPr>
+        <p:spPr>
+          <a:xfrm>
+            <a:off x="3466475" y="-94315"/>
+            <a:ext cx="2211049" cy="1785104"/>
+          </a:xfrm>
+          <a:prstGeom prst="rect">
+            <a:avLst/>
+          </a:prstGeom>
+          <a:noFill/>
+        </p:spPr>
+        <p:txBody>
+          <a:bodyPr wrap="square" rtlCol="0">
+            <a:spAutoFit/>
+          </a:bodyPr>
+          <a:lstStyle/>
+          <a:p>
+            <a:pPr algn="ctr"/>
             <a:r>
-              <a:rPr lang="en" sz="3200" dirty="0"/>
-              <a:t>CASESTUDY Module 1</a:t>
+              <a:rPr lang="en-US" sz="2400" dirty="0" err="1">
+                <a:solidFill>
+                  <a:srgbClr val="FF0000"/>
+                </a:solidFill>
+                <a:latin typeface="Barlow Light" panose="00000400000000000000" pitchFamily="2" charset="0"/>
+              </a:rPr>
+              <a:t>Trương</a:t>
             </a:r>
-            <a:br>
-              <a:rPr lang="en" sz="3200" dirty="0"/>
-            </a:br>
             <a:r>
-              <a:rPr lang="en" sz="3200" dirty="0"/>
-              <a:t>Game Tetris</a:t>
+              <a:rPr lang="en-US" sz="2400" dirty="0">
+                <a:solidFill>
+                  <a:srgbClr val="FF0000"/>
+                </a:solidFill>
+                <a:latin typeface="Barlow Light" panose="00000400000000000000" pitchFamily="2" charset="0"/>
+              </a:rPr>
+              <a:t> </a:t>
             </a:r>
-            <a:br>
-              <a:rPr lang="en" sz="3200" dirty="0"/>
-            </a:br>
-            <a:br>
-              <a:rPr lang="en" sz="3200" dirty="0"/>
-            </a:br>
             <a:r>
-              <a:rPr lang="en" sz="3200" dirty="0"/>
-              <a:t>Truong Huy Hoang</a:t>
+              <a:rPr lang="en-US" sz="2400" dirty="0" err="1">
+                <a:solidFill>
+                  <a:srgbClr val="FF0000"/>
+                </a:solidFill>
+                <a:latin typeface="Barlow Light" panose="00000400000000000000" pitchFamily="2" charset="0"/>
+              </a:rPr>
+              <a:t>Huy</a:t>
             </a:r>
-            <a:br>
-              <a:rPr lang="en" sz="3200" dirty="0"/>
-            </a:br>
             <a:r>
-              <a:rPr lang="en" sz="3200" dirty="0"/>
-              <a:t>-</a:t>
+              <a:rPr lang="en-US" sz="2400" dirty="0">
+                <a:solidFill>
+                  <a:srgbClr val="FF0000"/>
+                </a:solidFill>
+                <a:latin typeface="Barlow Light" panose="00000400000000000000" pitchFamily="2" charset="0"/>
+              </a:rPr>
+              <a:t> </a:t>
             </a:r>
-            <a:br>
-              <a:rPr lang="en" sz="3200" dirty="0"/>
-            </a:br>
             <a:r>
-              <a:rPr lang="en" sz="3200" dirty="0"/>
+              <a:rPr lang="en-US" sz="2400" dirty="0" err="1">
+                <a:solidFill>
+                  <a:srgbClr val="FF0000"/>
+                </a:solidFill>
+                <a:latin typeface="Barlow Light" panose="00000400000000000000" pitchFamily="2" charset="0"/>
+              </a:rPr>
+              <a:t>Hoàng</a:t>
+            </a:r>
+            <a:endParaRPr lang="en-US" sz="2400" dirty="0">
+              <a:solidFill>
+                <a:srgbClr val="FF0000"/>
+              </a:solidFill>
+              <a:latin typeface="Barlow Light" panose="00000400000000000000" pitchFamily="2" charset="0"/>
+            </a:endParaRPr>
+          </a:p>
+          <a:p>
+            <a:pPr algn="ctr"/>
+            <a:endParaRPr lang="en-US" sz="2400" dirty="0">
+              <a:solidFill>
+                <a:srgbClr val="FF0000"/>
+              </a:solidFill>
+              <a:latin typeface="Barlow Light" panose="00000400000000000000" pitchFamily="2" charset="0"/>
+            </a:endParaRPr>
+          </a:p>
+          <a:p>
+            <a:pPr algn="ctr"/>
+            <a:r>
+              <a:rPr lang="en-US" sz="2400" dirty="0">
+                <a:solidFill>
+                  <a:srgbClr val="FF0000"/>
+                </a:solidFill>
+                <a:latin typeface="Barlow Light" panose="00000400000000000000" pitchFamily="2" charset="0"/>
+              </a:rPr>
               <a:t>C0622I1</a:t>
             </a:r>
-            <a:endParaRPr sz="3200" dirty="0"/>
+          </a:p>
+          <a:p>
+            <a:endParaRPr lang="en-US" dirty="0"/>
+          </a:p>
+        </p:txBody>
+      </p:sp>
+      <p:sp>
+        <p:nvSpPr>
+          <p:cNvPr id="6" name="TextBox 5">
+            <a:extLst>
+              <a:ext uri="{FF2B5EF4-FFF2-40B4-BE49-F238E27FC236}">
+                <a16:creationId xmlns:a16="http://schemas.microsoft.com/office/drawing/2014/main" id="{DDC86646-1AD6-25FE-3EEA-DBDF2A5E4B4F}"/>
+              </a:ext>
+            </a:extLst>
+          </p:cNvPr>
+          <p:cNvSpPr txBox="1"/>
+          <p:nvPr/>
+        </p:nvSpPr>
+        <p:spPr>
+          <a:xfrm>
+            <a:off x="2366574" y="1064825"/>
+            <a:ext cx="1236688" cy="381201"/>
+          </a:xfrm>
+          <a:prstGeom prst="rect">
+            <a:avLst/>
+          </a:prstGeom>
+          <a:noFill/>
+        </p:spPr>
+        <p:txBody>
+          <a:bodyPr wrap="square" rtlCol="0">
+            <a:spAutoFit/>
+          </a:bodyPr>
+          <a:lstStyle/>
+          <a:p>
+            <a:r>
+              <a:rPr lang="en-US" sz="1800" dirty="0" err="1">
+                <a:solidFill>
+                  <a:schemeClr val="tx1"/>
+                </a:solidFill>
+                <a:latin typeface="Barlow Light" panose="00000400000000000000" pitchFamily="2" charset="0"/>
+              </a:rPr>
+              <a:t>caseStudy</a:t>
+            </a:r>
+            <a:endParaRPr lang="en-US" sz="1800" dirty="0">
+              <a:solidFill>
+                <a:schemeClr val="tx1"/>
+              </a:solidFill>
+              <a:latin typeface="Barlow Light" panose="00000400000000000000" pitchFamily="2" charset="0"/>
+            </a:endParaRPr>
+          </a:p>
+        </p:txBody>
+      </p:sp>
+      <p:sp>
+        <p:nvSpPr>
+          <p:cNvPr id="7" name="TextBox 6">
+            <a:extLst>
+              <a:ext uri="{FF2B5EF4-FFF2-40B4-BE49-F238E27FC236}">
+                <a16:creationId xmlns:a16="http://schemas.microsoft.com/office/drawing/2014/main" id="{11BDA331-27C6-DD3D-6831-382857BC557F}"/>
+              </a:ext>
+            </a:extLst>
+          </p:cNvPr>
+          <p:cNvSpPr txBox="1"/>
+          <p:nvPr/>
+        </p:nvSpPr>
+        <p:spPr>
+          <a:xfrm>
+            <a:off x="5499517" y="1258580"/>
+            <a:ext cx="1394085" cy="461665"/>
+          </a:xfrm>
+          <a:prstGeom prst="rect">
+            <a:avLst/>
+          </a:prstGeom>
+          <a:noFill/>
+        </p:spPr>
+        <p:txBody>
+          <a:bodyPr wrap="square" rtlCol="0">
+            <a:spAutoFit/>
+          </a:bodyPr>
+          <a:lstStyle/>
+          <a:p>
+            <a:r>
+              <a:rPr lang="en-US" sz="2400" dirty="0">
+                <a:latin typeface="Barlow Light" panose="00000400000000000000" pitchFamily="2" charset="0"/>
+              </a:rPr>
+              <a:t>Module 1</a:t>
+            </a:r>
           </a:p>
         </p:txBody>
       </p:sp>
@@ -36379,8 +36592,8 @@
         </p:nvSpPr>
         <p:spPr>
           <a:xfrm>
-            <a:off x="366933" y="742013"/>
-            <a:ext cx="5096982" cy="547141"/>
+            <a:off x="366933" y="712033"/>
+            <a:ext cx="5096982" cy="1124262"/>
           </a:xfrm>
           <a:prstGeom prst="rect">
             <a:avLst/>
@@ -36402,161 +36615,134 @@
               <a:buNone/>
             </a:pPr>
             <a:r>
-              <a:rPr lang="en-US" dirty="0" err="1"/>
+              <a:rPr lang="en-US" sz="1800" dirty="0" err="1"/>
               <a:t>Mỗi</a:t>
             </a:r>
             <a:r>
-              <a:rPr lang="en-US" dirty="0"/>
+              <a:rPr lang="en-US" sz="1800" dirty="0"/>
               <a:t> </a:t>
             </a:r>
             <a:r>
-              <a:rPr lang="en-US" dirty="0" err="1"/>
+              <a:rPr lang="en-US" sz="1800" dirty="0" err="1"/>
               <a:t>hình</a:t>
             </a:r>
             <a:r>
-              <a:rPr lang="en-US" dirty="0"/>
+              <a:rPr lang="en-US" sz="1800" dirty="0"/>
               <a:t> </a:t>
             </a:r>
             <a:r>
-              <a:rPr lang="en-US" dirty="0" err="1"/>
+              <a:rPr lang="en-US" sz="1800" dirty="0" err="1"/>
               <a:t>sẽ</a:t>
             </a:r>
             <a:r>
-              <a:rPr lang="en-US" dirty="0"/>
+              <a:rPr lang="en-US" sz="1800" dirty="0"/>
               <a:t> </a:t>
             </a:r>
             <a:r>
-              <a:rPr lang="en-US" dirty="0" err="1"/>
+              <a:rPr lang="en-US" sz="1800" dirty="0" err="1"/>
               <a:t>là</a:t>
             </a:r>
             <a:r>
-              <a:rPr lang="en-US" dirty="0"/>
+              <a:rPr lang="en-US" sz="1800" dirty="0"/>
               <a:t> 1 </a:t>
             </a:r>
             <a:r>
-              <a:rPr lang="en-US" dirty="0" err="1"/>
+              <a:rPr lang="en-US" sz="1800" dirty="0" err="1"/>
               <a:t>mảng</a:t>
             </a:r>
             <a:r>
-              <a:rPr lang="en-US" dirty="0"/>
+              <a:rPr lang="en-US" sz="1800" dirty="0"/>
               <a:t> 2 </a:t>
             </a:r>
             <a:r>
-              <a:rPr lang="en-US" dirty="0" err="1"/>
+              <a:rPr lang="en-US" sz="1800" dirty="0" err="1"/>
               <a:t>chiều</a:t>
             </a:r>
             <a:r>
-              <a:rPr lang="en-US" dirty="0"/>
+              <a:rPr lang="en-US" sz="1800" dirty="0"/>
               <a:t> </a:t>
             </a:r>
             <a:r>
-              <a:rPr lang="en-US" dirty="0" err="1"/>
+              <a:rPr lang="en-US" sz="1800" dirty="0" err="1"/>
               <a:t>có</a:t>
             </a:r>
             <a:r>
-              <a:rPr lang="en-US" dirty="0"/>
+              <a:rPr lang="en-US" sz="1800" dirty="0"/>
               <a:t> Id </a:t>
             </a:r>
             <a:r>
-              <a:rPr lang="en-US" dirty="0" err="1"/>
+              <a:rPr lang="en-US" sz="1800" dirty="0" err="1"/>
               <a:t>và</a:t>
             </a:r>
             <a:r>
-              <a:rPr lang="en-US" dirty="0"/>
+              <a:rPr lang="en-US" sz="1800" dirty="0"/>
               <a:t> </a:t>
             </a:r>
             <a:r>
-              <a:rPr lang="en-US" dirty="0" err="1"/>
+              <a:rPr lang="en-US" sz="1800" dirty="0" err="1"/>
               <a:t>màu</a:t>
             </a:r>
             <a:r>
-              <a:rPr lang="en-US" dirty="0"/>
+              <a:rPr lang="en-US" sz="1800" dirty="0"/>
               <a:t> </a:t>
             </a:r>
             <a:r>
-              <a:rPr lang="en-US" dirty="0" err="1"/>
+              <a:rPr lang="en-US" sz="1800" dirty="0" err="1"/>
               <a:t>riêng</a:t>
             </a:r>
             <a:r>
-              <a:rPr lang="en-US" dirty="0"/>
+              <a:rPr lang="en-US" sz="1800" dirty="0"/>
               <a:t> ( Id </a:t>
             </a:r>
             <a:r>
-              <a:rPr lang="en-US" dirty="0" err="1"/>
+              <a:rPr lang="en-US" sz="1800" dirty="0" err="1"/>
               <a:t>màu</a:t>
             </a:r>
             <a:r>
-              <a:rPr lang="en-US" dirty="0"/>
+              <a:rPr lang="en-US" sz="1800" dirty="0"/>
               <a:t> </a:t>
             </a:r>
             <a:r>
-              <a:rPr lang="en-US" dirty="0" err="1"/>
+              <a:rPr lang="en-US" sz="1800" dirty="0" err="1"/>
               <a:t>trùng</a:t>
             </a:r>
             <a:r>
-              <a:rPr lang="en-US" dirty="0"/>
+              <a:rPr lang="en-US" sz="1800" dirty="0"/>
               <a:t> </a:t>
             </a:r>
             <a:r>
-              <a:rPr lang="en-US" dirty="0" err="1"/>
+              <a:rPr lang="en-US" sz="1800" dirty="0" err="1"/>
               <a:t>với</a:t>
             </a:r>
             <a:r>
-              <a:rPr lang="en-US" dirty="0"/>
+              <a:rPr lang="en-US" sz="1800" dirty="0"/>
               <a:t> Id </a:t>
             </a:r>
             <a:r>
-              <a:rPr lang="en-US" dirty="0" err="1"/>
+              <a:rPr lang="en-US" sz="1800" dirty="0" err="1"/>
               <a:t>của</a:t>
             </a:r>
             <a:r>
-              <a:rPr lang="en-US" dirty="0"/>
+              <a:rPr lang="en-US" sz="1800" dirty="0"/>
               <a:t> </a:t>
             </a:r>
             <a:r>
-              <a:rPr lang="en-US" dirty="0" err="1"/>
+              <a:rPr lang="en-US" sz="1800" dirty="0" err="1"/>
               <a:t>các</a:t>
             </a:r>
             <a:r>
-              <a:rPr lang="en-US" dirty="0"/>
+              <a:rPr lang="en-US" sz="1800" dirty="0"/>
               <a:t> </a:t>
             </a:r>
             <a:r>
-              <a:rPr lang="en-US" dirty="0" err="1"/>
+              <a:rPr lang="en-US" sz="1800" dirty="0" err="1"/>
               <a:t>hình</a:t>
             </a:r>
             <a:r>
-              <a:rPr lang="en-US" dirty="0"/>
+              <a:rPr lang="en-US" sz="1800" dirty="0"/>
               <a:t>) </a:t>
             </a:r>
-            <a:endParaRPr dirty="0"/>
           </a:p>
-        </p:txBody>
-      </p:sp>
-      <p:sp>
-        <p:nvSpPr>
-          <p:cNvPr id="309" name="Google Shape;309;p21"/>
-          <p:cNvSpPr txBox="1">
-            <a:spLocks noGrp="1"/>
-          </p:cNvSpPr>
-          <p:nvPr>
-            <p:ph type="body" idx="2"/>
-          </p:nvPr>
-        </p:nvSpPr>
-        <p:spPr>
-          <a:xfrm>
-            <a:off x="2198350" y="1661575"/>
-            <a:ext cx="1656300" cy="3055200"/>
-          </a:xfrm>
-          <a:prstGeom prst="rect">
-            <a:avLst/>
-          </a:prstGeom>
-        </p:spPr>
-        <p:txBody>
-          <a:bodyPr spcFirstLastPara="1" wrap="square" lIns="91425" tIns="91425" rIns="91425" bIns="91425" anchor="t" anchorCtr="0">
-            <a:noAutofit/>
-          </a:bodyPr>
-          <a:lstStyle/>
           <a:p>
             <a:pPr marL="0" lvl="0" indent="0" algn="l" rtl="0">
               <a:spcBef>
@@ -36567,34 +36753,88 @@
               </a:spcAft>
               <a:buNone/>
             </a:pPr>
-            <a:endParaRPr dirty="0"/>
+            <a:r>
+              <a:rPr lang="en-US" sz="1800" b="1" i="1" dirty="0"/>
+              <a:t>*  </a:t>
+            </a:r>
+            <a:r>
+              <a:rPr lang="en-US" sz="1800" b="1" i="1" u="sng" dirty="0" err="1"/>
+              <a:t>Các</a:t>
+            </a:r>
+            <a:r>
+              <a:rPr lang="en-US" sz="1800" b="1" i="1" u="sng" dirty="0"/>
+              <a:t> </a:t>
+            </a:r>
+            <a:r>
+              <a:rPr lang="en-US" sz="1800" b="1" i="1" u="sng" dirty="0" err="1"/>
+              <a:t>mẫu</a:t>
+            </a:r>
+            <a:r>
+              <a:rPr lang="en-US" sz="1800" b="1" i="1" u="sng" dirty="0"/>
+              <a:t> </a:t>
+            </a:r>
+            <a:r>
+              <a:rPr lang="en-US" sz="1800" b="1" i="1" u="sng" dirty="0" err="1"/>
+              <a:t>của</a:t>
+            </a:r>
+            <a:r>
+              <a:rPr lang="en-US" sz="1800" b="1" i="1" u="sng" dirty="0"/>
+              <a:t> </a:t>
+            </a:r>
+            <a:r>
+              <a:rPr lang="en-US" sz="1800" b="1" i="1" u="sng" dirty="0" err="1"/>
+              <a:t>các</a:t>
+            </a:r>
+            <a:r>
+              <a:rPr lang="en-US" sz="1800" b="1" i="1" u="sng" dirty="0"/>
+              <a:t> </a:t>
+            </a:r>
+            <a:r>
+              <a:rPr lang="en-US" sz="1800" b="1" i="1" u="sng" dirty="0" err="1"/>
+              <a:t>khối</a:t>
+            </a:r>
+            <a:r>
+              <a:rPr lang="en-US" sz="1800" b="1" i="1" u="sng" dirty="0"/>
+              <a:t> </a:t>
+            </a:r>
+            <a:r>
+              <a:rPr lang="en-US" sz="1800" b="1" i="1" u="sng" dirty="0" err="1"/>
+              <a:t>được</a:t>
+            </a:r>
+            <a:r>
+              <a:rPr lang="en-US" sz="1800" b="1" i="1" u="sng" dirty="0"/>
+              <a:t> </a:t>
+            </a:r>
+            <a:r>
+              <a:rPr lang="en-US" sz="1800" b="1" i="1" u="sng" dirty="0" err="1"/>
+              <a:t>lưu</a:t>
+            </a:r>
+            <a:r>
+              <a:rPr lang="en-US" sz="1800" b="1" i="1" u="sng" dirty="0"/>
+              <a:t> </a:t>
+            </a:r>
+            <a:r>
+              <a:rPr lang="en-US" sz="1800" b="1" i="1" u="sng" dirty="0" err="1"/>
+              <a:t>trong</a:t>
+            </a:r>
+            <a:r>
+              <a:rPr lang="en-US" sz="1800" b="1" i="1" u="sng" dirty="0"/>
+              <a:t> </a:t>
+            </a:r>
+            <a:r>
+              <a:rPr lang="en-US" sz="1800" b="1" i="1" u="sng" dirty="0" err="1"/>
+              <a:t>mảng</a:t>
+            </a:r>
+            <a:r>
+              <a:rPr lang="en-US" sz="1800" b="1" i="1" u="sng" dirty="0"/>
+              <a:t> 3 </a:t>
+            </a:r>
+            <a:r>
+              <a:rPr lang="en-US" sz="1800" b="1" i="1" u="sng" dirty="0" err="1"/>
+              <a:t>chiều</a:t>
+            </a:r>
+            <a:endParaRPr lang="en-US" sz="1800" b="1" i="1" u="sng" dirty="0"/>
           </a:p>
-        </p:txBody>
-      </p:sp>
-      <p:sp>
-        <p:nvSpPr>
-          <p:cNvPr id="310" name="Google Shape;310;p21"/>
-          <p:cNvSpPr txBox="1">
-            <a:spLocks noGrp="1"/>
-          </p:cNvSpPr>
-          <p:nvPr>
-            <p:ph type="body" idx="3"/>
-          </p:nvPr>
-        </p:nvSpPr>
-        <p:spPr>
-          <a:xfrm>
-            <a:off x="3939500" y="1661575"/>
-            <a:ext cx="1656300" cy="3055200"/>
-          </a:xfrm>
-          <a:prstGeom prst="rect">
-            <a:avLst/>
-          </a:prstGeom>
-        </p:spPr>
-        <p:txBody>
-          <a:bodyPr spcFirstLastPara="1" wrap="square" lIns="91425" tIns="91425" rIns="91425" bIns="91425" anchor="t" anchorCtr="0">
-            <a:noAutofit/>
-          </a:bodyPr>
-          <a:lstStyle/>
           <a:p>
             <a:pPr marL="0" lvl="0" indent="0" algn="l" rtl="0">
               <a:spcBef>
@@ -36653,10 +36893,10 @@
       </p:sp>
       <p:pic>
         <p:nvPicPr>
-          <p:cNvPr id="3" name="Picture 2">
+          <p:cNvPr id="4" name="Picture 3">
             <a:extLst>
               <a:ext uri="{FF2B5EF4-FFF2-40B4-BE49-F238E27FC236}">
-                <a16:creationId xmlns:a16="http://schemas.microsoft.com/office/drawing/2014/main" id="{7CD7D5A7-86E1-367E-2DA9-B137CFF729FA}"/>
+                <a16:creationId xmlns:a16="http://schemas.microsoft.com/office/drawing/2014/main" id="{C25D9CE6-F34D-4C33-5B89-FEAEBF7BC21F}"/>
               </a:ext>
             </a:extLst>
           </p:cNvPr>
@@ -36673,8 +36913,8 @@
         </p:blipFill>
         <p:spPr>
           <a:xfrm>
-            <a:off x="160340" y="1519169"/>
-            <a:ext cx="5732319" cy="3055200"/>
+            <a:off x="366933" y="2208175"/>
+            <a:ext cx="5303396" cy="2040995"/>
           </a:xfrm>
           <a:prstGeom prst="rect">
             <a:avLst/>
